--- a/APICodeGenerator.pptx
+++ b/APICodeGenerator.pptx
@@ -16,10 +16,10 @@
     <p:sldId id="257" r:id="rId4"/>
     <p:sldId id="258" r:id="rId5"/>
     <p:sldId id="268" r:id="rId6"/>
-    <p:sldId id="259" r:id="rId7"/>
-    <p:sldId id="269" r:id="rId8"/>
-    <p:sldId id="272" r:id="rId9"/>
-    <p:sldId id="260" r:id="rId10"/>
+    <p:sldId id="275" r:id="rId7"/>
+    <p:sldId id="276" r:id="rId8"/>
+    <p:sldId id="277" r:id="rId9"/>
+    <p:sldId id="278" r:id="rId10"/>
     <p:sldId id="274" r:id="rId11"/>
     <p:sldId id="262" r:id="rId12"/>
   </p:sldIdLst>
@@ -135,6 +135,7 @@
 <p1510:revInfo xmlns:a="http://schemas.openxmlformats.org/drawingml/2006/main" xmlns:r="http://schemas.openxmlformats.org/officeDocument/2006/relationships" xmlns:p1510="http://schemas.microsoft.com/office/powerpoint/2015/10/main">
   <p1510:revLst>
     <p1510:client id="{1CD9D214-68E9-0D68-C7A0-EA3717BDD71D}" v="669" dt="2023-06-30T12:21:31.616"/>
+    <p1510:client id="{85B27436-A08F-55B5-206E-DC4EC4986C24}" v="379" dt="2023-08-14T10:16:20.353"/>
     <p1510:client id="{9A91F4D5-D52C-9C46-2138-252B44AEF7B8}" v="43" dt="2023-07-04T10:43:37.530"/>
     <p1510:client id="{D8D3ED92-3A71-44A0-946A-A9258B3E69DC}" v="478" dt="2023-06-30T09:25:29.050"/>
   </p1510:revLst>
@@ -666,6 +667,246 @@
             <pc:docMk/>
             <pc:sldMk cId="3388289134" sldId="267"/>
             <ac:spMk id="3" creationId="{26FDC676-4C36-6389-A32F-18409E2C53E6}"/>
+          </ac:spMkLst>
+        </pc:spChg>
+      </pc:sldChg>
+    </pc:docChg>
+  </pc:docChgLst>
+  <pc:docChgLst>
+    <pc:chgData name="Ranjan, Rohit (CW)" userId="S::rohit.ranjan@hp.com::0b139a56-a949-40d9-b185-36d3c1f8551b" providerId="AD" clId="Web-{85B27436-A08F-55B5-206E-DC4EC4986C24}"/>
+    <pc:docChg chg="addSld delSld modSld">
+      <pc:chgData name="Ranjan, Rohit (CW)" userId="S::rohit.ranjan@hp.com::0b139a56-a949-40d9-b185-36d3c1f8551b" providerId="AD" clId="Web-{85B27436-A08F-55B5-206E-DC4EC4986C24}" dt="2023-08-14T10:16:19.837" v="361" actId="20577"/>
+      <pc:docMkLst>
+        <pc:docMk/>
+      </pc:docMkLst>
+      <pc:sldChg chg="modSp">
+        <pc:chgData name="Ranjan, Rohit (CW)" userId="S::rohit.ranjan@hp.com::0b139a56-a949-40d9-b185-36d3c1f8551b" providerId="AD" clId="Web-{85B27436-A08F-55B5-206E-DC4EC4986C24}" dt="2023-08-14T10:01:24.759" v="206" actId="20577"/>
+        <pc:sldMkLst>
+          <pc:docMk/>
+          <pc:sldMk cId="2142729111" sldId="256"/>
+        </pc:sldMkLst>
+        <pc:spChg chg="mod">
+          <ac:chgData name="Ranjan, Rohit (CW)" userId="S::rohit.ranjan@hp.com::0b139a56-a949-40d9-b185-36d3c1f8551b" providerId="AD" clId="Web-{85B27436-A08F-55B5-206E-DC4EC4986C24}" dt="2023-08-14T10:01:24.759" v="206" actId="20577"/>
+          <ac:spMkLst>
+            <pc:docMk/>
+            <pc:sldMk cId="2142729111" sldId="256"/>
+            <ac:spMk id="3" creationId="{00000000-0000-0000-0000-000000000000}"/>
+          </ac:spMkLst>
+        </pc:spChg>
+      </pc:sldChg>
+      <pc:sldChg chg="addSp delSp modSp del">
+        <pc:chgData name="Ranjan, Rohit (CW)" userId="S::rohit.ranjan@hp.com::0b139a56-a949-40d9-b185-36d3c1f8551b" providerId="AD" clId="Web-{85B27436-A08F-55B5-206E-DC4EC4986C24}" dt="2023-08-14T10:05:10.252" v="220"/>
+        <pc:sldMkLst>
+          <pc:docMk/>
+          <pc:sldMk cId="1180589104" sldId="259"/>
+        </pc:sldMkLst>
+        <pc:spChg chg="mod">
+          <ac:chgData name="Ranjan, Rohit (CW)" userId="S::rohit.ranjan@hp.com::0b139a56-a949-40d9-b185-36d3c1f8551b" providerId="AD" clId="Web-{85B27436-A08F-55B5-206E-DC4EC4986C24}" dt="2023-08-14T10:03:01.481" v="208"/>
+          <ac:spMkLst>
+            <pc:docMk/>
+            <pc:sldMk cId="1180589104" sldId="259"/>
+            <ac:spMk id="2" creationId="{00000000-0000-0000-0000-000000000000}"/>
+          </ac:spMkLst>
+        </pc:spChg>
+        <pc:spChg chg="add del">
+          <ac:chgData name="Ranjan, Rohit (CW)" userId="S::rohit.ranjan@hp.com::0b139a56-a949-40d9-b185-36d3c1f8551b" providerId="AD" clId="Web-{85B27436-A08F-55B5-206E-DC4EC4986C24}" dt="2023-08-14T10:03:01.481" v="208"/>
+          <ac:spMkLst>
+            <pc:docMk/>
+            <pc:sldMk cId="1180589104" sldId="259"/>
+            <ac:spMk id="3" creationId="{00000000-0000-0000-0000-000000000000}"/>
+          </ac:spMkLst>
+        </pc:spChg>
+        <pc:spChg chg="add del">
+          <ac:chgData name="Ranjan, Rohit (CW)" userId="S::rohit.ranjan@hp.com::0b139a56-a949-40d9-b185-36d3c1f8551b" providerId="AD" clId="Web-{85B27436-A08F-55B5-206E-DC4EC4986C24}" dt="2023-08-14T10:03:01.481" v="208"/>
+          <ac:spMkLst>
+            <pc:docMk/>
+            <pc:sldMk cId="1180589104" sldId="259"/>
+            <ac:spMk id="8" creationId="{100EDD19-6802-4EC3-95CE-CFFAB042CFD6}"/>
+          </ac:spMkLst>
+        </pc:spChg>
+        <pc:spChg chg="add del">
+          <ac:chgData name="Ranjan, Rohit (CW)" userId="S::rohit.ranjan@hp.com::0b139a56-a949-40d9-b185-36d3c1f8551b" providerId="AD" clId="Web-{85B27436-A08F-55B5-206E-DC4EC4986C24}" dt="2023-08-14T10:03:01.481" v="208"/>
+          <ac:spMkLst>
+            <pc:docMk/>
+            <pc:sldMk cId="1180589104" sldId="259"/>
+            <ac:spMk id="10" creationId="{DB17E863-922E-4C26-BD64-E8FD41D28661}"/>
+          </ac:spMkLst>
+        </pc:spChg>
+        <pc:spChg chg="add del">
+          <ac:chgData name="Ranjan, Rohit (CW)" userId="S::rohit.ranjan@hp.com::0b139a56-a949-40d9-b185-36d3c1f8551b" providerId="AD" clId="Web-{85B27436-A08F-55B5-206E-DC4EC4986C24}" dt="2023-08-14T10:03:01.481" v="208"/>
+          <ac:spMkLst>
+            <pc:docMk/>
+            <pc:sldMk cId="1180589104" sldId="259"/>
+            <ac:spMk id="16" creationId="{BACC6370-2D7E-4714-9D71-7542949D7D5D}"/>
+          </ac:spMkLst>
+        </pc:spChg>
+        <pc:spChg chg="add del">
+          <ac:chgData name="Ranjan, Rohit (CW)" userId="S::rohit.ranjan@hp.com::0b139a56-a949-40d9-b185-36d3c1f8551b" providerId="AD" clId="Web-{85B27436-A08F-55B5-206E-DC4EC4986C24}" dt="2023-08-14T10:03:01.481" v="208"/>
+          <ac:spMkLst>
+            <pc:docMk/>
+            <pc:sldMk cId="1180589104" sldId="259"/>
+            <ac:spMk id="18" creationId="{F68B3F68-107C-434F-AA38-110D5EA91B85}"/>
+          </ac:spMkLst>
+        </pc:spChg>
+        <pc:spChg chg="add del">
+          <ac:chgData name="Ranjan, Rohit (CW)" userId="S::rohit.ranjan@hp.com::0b139a56-a949-40d9-b185-36d3c1f8551b" providerId="AD" clId="Web-{85B27436-A08F-55B5-206E-DC4EC4986C24}" dt="2023-08-14T10:03:01.481" v="208"/>
+          <ac:spMkLst>
+            <pc:docMk/>
+            <pc:sldMk cId="1180589104" sldId="259"/>
+            <ac:spMk id="20" creationId="{AAD0DBB9-1A4B-4391-81D4-CB19F9AB918A}"/>
+          </ac:spMkLst>
+        </pc:spChg>
+        <pc:spChg chg="add del">
+          <ac:chgData name="Ranjan, Rohit (CW)" userId="S::rohit.ranjan@hp.com::0b139a56-a949-40d9-b185-36d3c1f8551b" providerId="AD" clId="Web-{85B27436-A08F-55B5-206E-DC4EC4986C24}" dt="2023-08-14T10:03:01.481" v="208"/>
+          <ac:spMkLst>
+            <pc:docMk/>
+            <pc:sldMk cId="1180589104" sldId="259"/>
+            <ac:spMk id="22" creationId="{063BBA22-50EA-4C4D-BE05-F1CE4E63AA56}"/>
+          </ac:spMkLst>
+        </pc:spChg>
+        <pc:graphicFrameChg chg="add del">
+          <ac:chgData name="Ranjan, Rohit (CW)" userId="S::rohit.ranjan@hp.com::0b139a56-a949-40d9-b185-36d3c1f8551b" providerId="AD" clId="Web-{85B27436-A08F-55B5-206E-DC4EC4986C24}" dt="2023-08-14T10:03:01.481" v="208"/>
+          <ac:graphicFrameMkLst>
+            <pc:docMk/>
+            <pc:sldMk cId="1180589104" sldId="259"/>
+            <ac:graphicFrameMk id="12" creationId="{548E5483-02A8-2B58-7848-08A7A58EE486}"/>
+          </ac:graphicFrameMkLst>
+        </pc:graphicFrameChg>
+      </pc:sldChg>
+      <pc:sldChg chg="modSp del">
+        <pc:chgData name="Ranjan, Rohit (CW)" userId="S::rohit.ranjan@hp.com::0b139a56-a949-40d9-b185-36d3c1f8551b" providerId="AD" clId="Web-{85B27436-A08F-55B5-206E-DC4EC4986C24}" dt="2023-08-14T10:06:36.411" v="241"/>
+        <pc:sldMkLst>
+          <pc:docMk/>
+          <pc:sldMk cId="2426022026" sldId="260"/>
+        </pc:sldMkLst>
+        <pc:spChg chg="mod">
+          <ac:chgData name="Ranjan, Rohit (CW)" userId="S::rohit.ranjan@hp.com::0b139a56-a949-40d9-b185-36d3c1f8551b" providerId="AD" clId="Web-{85B27436-A08F-55B5-206E-DC4EC4986C24}" dt="2023-08-14T08:46:32.500" v="52" actId="20577"/>
+          <ac:spMkLst>
+            <pc:docMk/>
+            <pc:sldMk cId="2426022026" sldId="260"/>
+            <ac:spMk id="5" creationId="{00000000-0000-0000-0000-000000000000}"/>
+          </ac:spMkLst>
+        </pc:spChg>
+      </pc:sldChg>
+      <pc:sldChg chg="modSp del">
+        <pc:chgData name="Ranjan, Rohit (CW)" userId="S::rohit.ranjan@hp.com::0b139a56-a949-40d9-b185-36d3c1f8551b" providerId="AD" clId="Web-{85B27436-A08F-55B5-206E-DC4EC4986C24}" dt="2023-08-14T10:05:22.768" v="221"/>
+        <pc:sldMkLst>
+          <pc:docMk/>
+          <pc:sldMk cId="1055156841" sldId="269"/>
+        </pc:sldMkLst>
+        <pc:spChg chg="mod">
+          <ac:chgData name="Ranjan, Rohit (CW)" userId="S::rohit.ranjan@hp.com::0b139a56-a949-40d9-b185-36d3c1f8551b" providerId="AD" clId="Web-{85B27436-A08F-55B5-206E-DC4EC4986C24}" dt="2023-08-14T09:53:44.087" v="187" actId="20577"/>
+          <ac:spMkLst>
+            <pc:docMk/>
+            <pc:sldMk cId="1055156841" sldId="269"/>
+            <ac:spMk id="3" creationId="{00000000-0000-0000-0000-000000000000}"/>
+          </ac:spMkLst>
+        </pc:spChg>
+      </pc:sldChg>
+      <pc:sldChg chg="modSp del">
+        <pc:chgData name="Ranjan, Rohit (CW)" userId="S::rohit.ranjan@hp.com::0b139a56-a949-40d9-b185-36d3c1f8551b" providerId="AD" clId="Web-{85B27436-A08F-55B5-206E-DC4EC4986C24}" dt="2023-08-14T10:06:08.566" v="235"/>
+        <pc:sldMkLst>
+          <pc:docMk/>
+          <pc:sldMk cId="1858004197" sldId="272"/>
+        </pc:sldMkLst>
+        <pc:spChg chg="mod">
+          <ac:chgData name="Ranjan, Rohit (CW)" userId="S::rohit.ranjan@hp.com::0b139a56-a949-40d9-b185-36d3c1f8551b" providerId="AD" clId="Web-{85B27436-A08F-55B5-206E-DC4EC4986C24}" dt="2023-08-14T09:44:52.881" v="92" actId="20577"/>
+          <ac:spMkLst>
+            <pc:docMk/>
+            <pc:sldMk cId="1858004197" sldId="272"/>
+            <ac:spMk id="3" creationId="{00000000-0000-0000-0000-000000000000}"/>
+          </ac:spMkLst>
+        </pc:spChg>
+      </pc:sldChg>
+      <pc:sldChg chg="modSp add replId">
+        <pc:chgData name="Ranjan, Rohit (CW)" userId="S::rohit.ranjan@hp.com::0b139a56-a949-40d9-b185-36d3c1f8551b" providerId="AD" clId="Web-{85B27436-A08F-55B5-206E-DC4EC4986C24}" dt="2023-08-14T10:04:48.345" v="217" actId="20577"/>
+        <pc:sldMkLst>
+          <pc:docMk/>
+          <pc:sldMk cId="253867502" sldId="275"/>
+        </pc:sldMkLst>
+        <pc:spChg chg="mod">
+          <ac:chgData name="Ranjan, Rohit (CW)" userId="S::rohit.ranjan@hp.com::0b139a56-a949-40d9-b185-36d3c1f8551b" providerId="AD" clId="Web-{85B27436-A08F-55B5-206E-DC4EC4986C24}" dt="2023-08-14T10:04:05.343" v="213" actId="20577"/>
+          <ac:spMkLst>
+            <pc:docMk/>
+            <pc:sldMk cId="253867502" sldId="275"/>
+            <ac:spMk id="2" creationId="{63C3E0F1-B9D7-5D21-78E4-5E4EF1522A67}"/>
+          </ac:spMkLst>
+        </pc:spChg>
+        <pc:spChg chg="mod">
+          <ac:chgData name="Ranjan, Rohit (CW)" userId="S::rohit.ranjan@hp.com::0b139a56-a949-40d9-b185-36d3c1f8551b" providerId="AD" clId="Web-{85B27436-A08F-55B5-206E-DC4EC4986C24}" dt="2023-08-14T10:04:48.345" v="217" actId="20577"/>
+          <ac:spMkLst>
+            <pc:docMk/>
+            <pc:sldMk cId="253867502" sldId="275"/>
+            <ac:spMk id="3" creationId="{66D2E186-840F-7DF3-1D34-B3CF3601E633}"/>
+          </ac:spMkLst>
+        </pc:spChg>
+      </pc:sldChg>
+      <pc:sldChg chg="modSp add replId">
+        <pc:chgData name="Ranjan, Rohit (CW)" userId="S::rohit.ranjan@hp.com::0b139a56-a949-40d9-b185-36d3c1f8551b" providerId="AD" clId="Web-{85B27436-A08F-55B5-206E-DC4EC4986C24}" dt="2023-08-14T10:16:19.837" v="361" actId="20577"/>
+        <pc:sldMkLst>
+          <pc:docMk/>
+          <pc:sldMk cId="735683510" sldId="276"/>
+        </pc:sldMkLst>
+        <pc:spChg chg="mod">
+          <ac:chgData name="Ranjan, Rohit (CW)" userId="S::rohit.ranjan@hp.com::0b139a56-a949-40d9-b185-36d3c1f8551b" providerId="AD" clId="Web-{85B27436-A08F-55B5-206E-DC4EC4986C24}" dt="2023-08-14T10:05:33.534" v="228" actId="20577"/>
+          <ac:spMkLst>
+            <pc:docMk/>
+            <pc:sldMk cId="735683510" sldId="276"/>
+            <ac:spMk id="2" creationId="{63C3E0F1-B9D7-5D21-78E4-5E4EF1522A67}"/>
+          </ac:spMkLst>
+        </pc:spChg>
+        <pc:spChg chg="mod">
+          <ac:chgData name="Ranjan, Rohit (CW)" userId="S::rohit.ranjan@hp.com::0b139a56-a949-40d9-b185-36d3c1f8551b" providerId="AD" clId="Web-{85B27436-A08F-55B5-206E-DC4EC4986C24}" dt="2023-08-14T10:16:19.837" v="361" actId="20577"/>
+          <ac:spMkLst>
+            <pc:docMk/>
+            <pc:sldMk cId="735683510" sldId="276"/>
+            <ac:spMk id="3" creationId="{66D2E186-840F-7DF3-1D34-B3CF3601E633}"/>
+          </ac:spMkLst>
+        </pc:spChg>
+      </pc:sldChg>
+      <pc:sldChg chg="modSp add replId">
+        <pc:chgData name="Ranjan, Rohit (CW)" userId="S::rohit.ranjan@hp.com::0b139a56-a949-40d9-b185-36d3c1f8551b" providerId="AD" clId="Web-{85B27436-A08F-55B5-206E-DC4EC4986C24}" dt="2023-08-14T10:06:06.832" v="234" actId="20577"/>
+        <pc:sldMkLst>
+          <pc:docMk/>
+          <pc:sldMk cId="2606955747" sldId="277"/>
+        </pc:sldMkLst>
+        <pc:spChg chg="mod">
+          <ac:chgData name="Ranjan, Rohit (CW)" userId="S::rohit.ranjan@hp.com::0b139a56-a949-40d9-b185-36d3c1f8551b" providerId="AD" clId="Web-{85B27436-A08F-55B5-206E-DC4EC4986C24}" dt="2023-08-14T10:05:53.191" v="232" actId="20577"/>
+          <ac:spMkLst>
+            <pc:docMk/>
+            <pc:sldMk cId="2606955747" sldId="277"/>
+            <ac:spMk id="2" creationId="{63C3E0F1-B9D7-5D21-78E4-5E4EF1522A67}"/>
+          </ac:spMkLst>
+        </pc:spChg>
+        <pc:spChg chg="mod">
+          <ac:chgData name="Ranjan, Rohit (CW)" userId="S::rohit.ranjan@hp.com::0b139a56-a949-40d9-b185-36d3c1f8551b" providerId="AD" clId="Web-{85B27436-A08F-55B5-206E-DC4EC4986C24}" dt="2023-08-14T10:06:06.832" v="234" actId="20577"/>
+          <ac:spMkLst>
+            <pc:docMk/>
+            <pc:sldMk cId="2606955747" sldId="277"/>
+            <ac:spMk id="3" creationId="{66D2E186-840F-7DF3-1D34-B3CF3601E633}"/>
+          </ac:spMkLst>
+        </pc:spChg>
+      </pc:sldChg>
+      <pc:sldChg chg="modSp add replId">
+        <pc:chgData name="Ranjan, Rohit (CW)" userId="S::rohit.ranjan@hp.com::0b139a56-a949-40d9-b185-36d3c1f8551b" providerId="AD" clId="Web-{85B27436-A08F-55B5-206E-DC4EC4986C24}" dt="2023-08-14T10:11:51.656" v="269" actId="20577"/>
+        <pc:sldMkLst>
+          <pc:docMk/>
+          <pc:sldMk cId="772568732" sldId="278"/>
+        </pc:sldMkLst>
+        <pc:spChg chg="mod">
+          <ac:chgData name="Ranjan, Rohit (CW)" userId="S::rohit.ranjan@hp.com::0b139a56-a949-40d9-b185-36d3c1f8551b" providerId="AD" clId="Web-{85B27436-A08F-55B5-206E-DC4EC4986C24}" dt="2023-08-14T10:06:24.035" v="239" actId="20577"/>
+          <ac:spMkLst>
+            <pc:docMk/>
+            <pc:sldMk cId="772568732" sldId="278"/>
+            <ac:spMk id="2" creationId="{63C3E0F1-B9D7-5D21-78E4-5E4EF1522A67}"/>
+          </ac:spMkLst>
+        </pc:spChg>
+        <pc:spChg chg="mod">
+          <ac:chgData name="Ranjan, Rohit (CW)" userId="S::rohit.ranjan@hp.com::0b139a56-a949-40d9-b185-36d3c1f8551b" providerId="AD" clId="Web-{85B27436-A08F-55B5-206E-DC4EC4986C24}" dt="2023-08-14T10:11:51.656" v="269" actId="20577"/>
+          <ac:spMkLst>
+            <pc:docMk/>
+            <pc:sldMk cId="772568732" sldId="278"/>
+            <ac:spMk id="3" creationId="{66D2E186-840F-7DF3-1D34-B3CF3601E633}"/>
           </ac:spMkLst>
         </pc:spChg>
       </pc:sldChg>
@@ -1997,7 +2238,7 @@
           <a:p>
             <a:fld id="{061C5132-FFA3-4B02-9F09-22FCF40EFA74}" type="datetimeFigureOut">
               <a:rPr lang="en-US" smtClean="0"/>
-              <a:t>7/4/2023</a:t>
+              <a:t>8/14/2023</a:t>
             </a:fld>
             <a:endParaRPr lang="en-US"/>
           </a:p>
@@ -2162,7 +2403,7 @@
           <a:p>
             <a:fld id="{0B6E42C9-243F-4DC5-AFF6-9D56B5FA9D63}" type="datetimeFigureOut">
               <a:rPr lang="en-US" smtClean="0"/>
-              <a:t>7/4/2023</a:t>
+              <a:t>8/14/2023</a:t>
             </a:fld>
             <a:endParaRPr lang="en-US"/>
           </a:p>
@@ -2849,7 +3090,7 @@
           <a:p>
             <a:fld id="{B0FE2824-C2A0-4931-BB32-60B24BDBB3CC}" type="datetimeFigureOut">
               <a:rPr lang="en-US" smtClean="0"/>
-              <a:t>7/4/2023</a:t>
+              <a:t>8/14/2023</a:t>
             </a:fld>
             <a:endParaRPr lang="en-US"/>
           </a:p>
@@ -3043,7 +3284,7 @@
           <a:p>
             <a:fld id="{B0FE2824-C2A0-4931-BB32-60B24BDBB3CC}" type="datetimeFigureOut">
               <a:rPr lang="en-US" smtClean="0"/>
-              <a:t>7/4/2023</a:t>
+              <a:t>8/14/2023</a:t>
             </a:fld>
             <a:endParaRPr lang="en-US"/>
           </a:p>
@@ -3223,7 +3464,7 @@
           <a:p>
             <a:fld id="{B0FE2824-C2A0-4931-BB32-60B24BDBB3CC}" type="datetimeFigureOut">
               <a:rPr lang="en-US" smtClean="0"/>
-              <a:t>7/4/2023</a:t>
+              <a:t>8/14/2023</a:t>
             </a:fld>
             <a:endParaRPr lang="en-US"/>
           </a:p>
@@ -3740,7 +3981,7 @@
           <a:p>
             <a:fld id="{B0FE2824-C2A0-4931-BB32-60B24BDBB3CC}" type="datetimeFigureOut">
               <a:rPr lang="en-US" smtClean="0"/>
-              <a:t>7/4/2023</a:t>
+              <a:t>8/14/2023</a:t>
             </a:fld>
             <a:endParaRPr lang="en-US"/>
           </a:p>
@@ -4181,7 +4422,7 @@
           <a:p>
             <a:fld id="{B0FE2824-C2A0-4931-BB32-60B24BDBB3CC}" type="datetimeFigureOut">
               <a:rPr lang="en-US" smtClean="0"/>
-              <a:t>7/4/2023</a:t>
+              <a:t>8/14/2023</a:t>
             </a:fld>
             <a:endParaRPr lang="en-US"/>
           </a:p>
@@ -4310,7 +4551,7 @@
           <a:p>
             <a:fld id="{B0FE2824-C2A0-4931-BB32-60B24BDBB3CC}" type="datetimeFigureOut">
               <a:rPr lang="en-US" smtClean="0"/>
-              <a:t>7/4/2023</a:t>
+              <a:t>8/14/2023</a:t>
             </a:fld>
             <a:endParaRPr lang="en-US"/>
           </a:p>
@@ -4417,7 +4658,7 @@
           <a:p>
             <a:fld id="{B0FE2824-C2A0-4931-BB32-60B24BDBB3CC}" type="datetimeFigureOut">
               <a:rPr lang="en-US" smtClean="0"/>
-              <a:t>7/4/2023</a:t>
+              <a:t>8/14/2023</a:t>
             </a:fld>
             <a:endParaRPr lang="en-US"/>
           </a:p>
@@ -4711,7 +4952,7 @@
           <a:p>
             <a:fld id="{B0FE2824-C2A0-4931-BB32-60B24BDBB3CC}" type="datetimeFigureOut">
               <a:rPr lang="en-US" smtClean="0"/>
-              <a:t>7/4/2023</a:t>
+              <a:t>8/14/2023</a:t>
             </a:fld>
             <a:endParaRPr lang="en-US"/>
           </a:p>
@@ -4980,7 +5221,7 @@
           <a:p>
             <a:fld id="{B0FE2824-C2A0-4931-BB32-60B24BDBB3CC}" type="datetimeFigureOut">
               <a:rPr lang="en-US" smtClean="0"/>
-              <a:t>7/4/2023</a:t>
+              <a:t>8/14/2023</a:t>
             </a:fld>
             <a:endParaRPr lang="en-US"/>
           </a:p>
@@ -5272,7 +5513,7 @@
             <a:fld id="{B0FE2824-C2A0-4931-BB32-60B24BDBB3CC}" type="datetimeFigureOut">
               <a:rPr lang="en-US" smtClean="0"/>
               <a:pPr/>
-              <a:t>7/4/2023</a:t>
+              <a:t>8/14/2023</a:t>
             </a:fld>
             <a:endParaRPr lang="en-US" dirty="0"/>
           </a:p>
@@ -5736,7 +5977,10 @@
           </a:bodyPr>
           <a:lstStyle/>
           <a:p>
-            <a:endParaRPr lang="en-US" dirty="0"/>
+            <a:r>
+              <a:rPr lang="en-US" dirty="0"/>
+              <a:t> - Rupesh, Shiva &amp; Rohit</a:t>
+            </a:r>
           </a:p>
         </p:txBody>
       </p:sp>
@@ -10534,7 +10778,13 @@
       </p:sp>
       <p:sp>
         <p:nvSpPr>
-          <p:cNvPr id="2" name="Title 1"/>
+          <p:cNvPr id="2" name="Title 1">
+            <a:extLst>
+              <a:ext uri="{FF2B5EF4-FFF2-40B4-BE49-F238E27FC236}">
+                <a16:creationId xmlns:a16="http://schemas.microsoft.com/office/drawing/2014/main" id="{63C3E0F1-B9D7-5D21-78E4-5E4EF1522A67}"/>
+              </a:ext>
+            </a:extLst>
+          </p:cNvPr>
           <p:cNvSpPr>
             <a:spLocks noGrp="1"/>
           </p:cNvSpPr>
@@ -10549,22 +10799,22 @@
           </a:xfrm>
         </p:spPr>
         <p:txBody>
-          <a:bodyPr vert="horz" lIns="91440" tIns="45720" rIns="91440" bIns="45720" rtlCol="0" anchor="ctr">
+          <a:bodyPr>
             <a:normAutofit/>
           </a:bodyPr>
           <a:lstStyle/>
           <a:p>
             <a:r>
-              <a:rPr lang="en-US" sz="5400" kern="1200">
-                <a:solidFill>
-                  <a:schemeClr val="tx1"/>
-                </a:solidFill>
-                <a:latin typeface="+mj-lt"/>
-                <a:ea typeface="+mj-ea"/>
-                <a:cs typeface="+mj-cs"/>
+              <a:rPr lang="en-US" sz="5400" dirty="0">
+                <a:ea typeface="+mj-lt"/>
+                <a:cs typeface="+mj-lt"/>
               </a:rPr>
               <a:t>Benefits</a:t>
             </a:r>
+            <a:endParaRPr lang="en-US" dirty="0">
+              <a:ea typeface="+mj-lt"/>
+              <a:cs typeface="+mj-lt"/>
+            </a:endParaRPr>
           </a:p>
         </p:txBody>
       </p:sp>
@@ -11208,18 +11458,24 @@
       </p:sp>
       <p:sp>
         <p:nvSpPr>
-          <p:cNvPr id="3" name="Content Placeholder 2"/>
+          <p:cNvPr id="3" name="Content Placeholder 2">
+            <a:extLst>
+              <a:ext uri="{FF2B5EF4-FFF2-40B4-BE49-F238E27FC236}">
+                <a16:creationId xmlns:a16="http://schemas.microsoft.com/office/drawing/2014/main" id="{66D2E186-840F-7DF3-1D34-B3CF3601E633}"/>
+              </a:ext>
+            </a:extLst>
+          </p:cNvPr>
           <p:cNvSpPr>
             <a:spLocks noGrp="1"/>
           </p:cNvSpPr>
           <p:nvPr>
-            <p:ph sz="half" idx="1"/>
+            <p:ph idx="1"/>
           </p:nvPr>
         </p:nvSpPr>
         <p:spPr>
           <a:xfrm>
             <a:off x="838200" y="1929384"/>
-            <a:ext cx="10515600" cy="4496375"/>
+            <a:ext cx="10515600" cy="4251960"/>
           </a:xfrm>
         </p:spPr>
         <p:txBody>
@@ -11236,13 +11492,12 @@
               <a:rPr lang="en-US" sz="2400" dirty="0"/>
               <a:t>: </a:t>
             </a:r>
-            <a:endParaRPr lang="en-US" sz="1700"/>
           </a:p>
           <a:p>
             <a:pPr lvl="1"/>
             <a:r>
               <a:rPr lang="en-US" sz="2000" dirty="0"/>
-              <a:t>By automating the generation of Spring Boot controllers, Flyway scripts, and entities, the utility eliminates the need for manual coding, reducing development time and effort.</a:t>
+              <a:t>By automating the generation of Spring Boot controllers, Flyway scripts, and entities, the utility eliminates the need for manual coding, reducing development time and effort.</a:t>
             </a:r>
           </a:p>
           <a:p>
@@ -11259,7 +11514,7 @@
             <a:pPr lvl="1"/>
             <a:r>
               <a:rPr lang="en-US" sz="2000" dirty="0"/>
-              <a:t>The utility ensures consistent patterns and structures across different components by generating code based on a standardized JSON input. This helps maintain code quality and promotes best practices.</a:t>
+              <a:t>The utility ensures consistent patterns and structures across different components by generating code based on a standardized JSON input. This helps maintain code quality and promotes best practices.</a:t>
             </a:r>
           </a:p>
           <a:p>
@@ -11276,44 +11531,28 @@
             <a:pPr lvl="1"/>
             <a:r>
               <a:rPr lang="en-US" sz="2000" dirty="0"/>
-              <a:t>Developers can easily customize and extend the utility by modifying the JSON input to match specific requirements. This allows for efficient code generation tailored to the application's needs.</a:t>
+              <a:t>Developers can easily customize and extend the utility by modifying the JSON input to match specific requirements. This allows for efficient code generation tailored to the application's needs.</a:t>
             </a:r>
-            <a:br>
-              <a:rPr lang="en-US" sz="1700" dirty="0"/>
-            </a:br>
-            <a:endParaRPr lang="en-US" sz="1700"/>
-          </a:p>
-          <a:p>
-            <a:endParaRPr lang="en-US" sz="1700"/>
-          </a:p>
-          <a:p>
-            <a:endParaRPr lang="en-US" sz="1700"/>
-          </a:p>
-          <a:p>
-            <a:endParaRPr lang="en-US" sz="1700"/>
-          </a:p>
-          <a:p>
-            <a:endParaRPr lang="en-US" sz="1700"/>
           </a:p>
         </p:txBody>
       </p:sp>
     </p:spTree>
     <p:extLst>
       <p:ext uri="{BB962C8B-B14F-4D97-AF65-F5344CB8AC3E}">
-        <p14:creationId xmlns:p14="http://schemas.microsoft.com/office/powerpoint/2010/main" val="1180589104"/>
+        <p14:creationId xmlns:p14="http://schemas.microsoft.com/office/powerpoint/2010/main" val="253867502"/>
       </p:ext>
     </p:extLst>
   </p:cSld>
   <p:clrMapOvr>
     <a:masterClrMapping/>
   </p:clrMapOvr>
-  <mc:AlternateContent xmlns:mc="http://schemas.openxmlformats.org/markup-compatibility/2006" xmlns:p14="http://schemas.microsoft.com/office/powerpoint/2010/main">
-    <mc:Choice Requires="p14">
+  <mc:AlternateContent xmlns:mc="http://schemas.openxmlformats.org/markup-compatibility/2006">
+    <mc:Choice xmlns:p14="http://schemas.microsoft.com/office/powerpoint/2010/main" Requires="p14">
       <p:transition spd="med" p14:dur="700">
         <p:fade/>
       </p:transition>
     </mc:Choice>
-    <mc:Fallback xmlns="">
+    <mc:Fallback>
       <p:transition spd="med">
         <p:fade/>
       </p:transition>
@@ -11409,7 +11648,13 @@
       </p:sp>
       <p:sp>
         <p:nvSpPr>
-          <p:cNvPr id="2" name="Title 1"/>
+          <p:cNvPr id="2" name="Title 1">
+            <a:extLst>
+              <a:ext uri="{FF2B5EF4-FFF2-40B4-BE49-F238E27FC236}">
+                <a16:creationId xmlns:a16="http://schemas.microsoft.com/office/drawing/2014/main" id="{63C3E0F1-B9D7-5D21-78E4-5E4EF1522A67}"/>
+              </a:ext>
+            </a:extLst>
+          </p:cNvPr>
           <p:cNvSpPr>
             <a:spLocks noGrp="1"/>
           </p:cNvSpPr>
@@ -11424,22 +11669,22 @@
           </a:xfrm>
         </p:spPr>
         <p:txBody>
-          <a:bodyPr vert="horz" lIns="91440" tIns="45720" rIns="91440" bIns="45720" rtlCol="0" anchor="ctr">
+          <a:bodyPr>
             <a:normAutofit/>
           </a:bodyPr>
           <a:lstStyle/>
           <a:p>
             <a:r>
-              <a:rPr lang="en-US" sz="5400" kern="1200">
-                <a:solidFill>
-                  <a:schemeClr val="tx1"/>
-                </a:solidFill>
-                <a:latin typeface="+mj-lt"/>
-                <a:ea typeface="+mj-ea"/>
-                <a:cs typeface="+mj-cs"/>
+              <a:rPr lang="en-US" sz="5400" dirty="0">
+                <a:ea typeface="+mj-lt"/>
+                <a:cs typeface="+mj-lt"/>
               </a:rPr>
               <a:t>Benefits Contd..</a:t>
             </a:r>
+            <a:endParaRPr lang="en-US" dirty="0">
+              <a:ea typeface="+mj-lt"/>
+              <a:cs typeface="+mj-lt"/>
+            </a:endParaRPr>
           </a:p>
         </p:txBody>
       </p:sp>
@@ -12083,12 +12328,18 @@
       </p:sp>
       <p:sp>
         <p:nvSpPr>
-          <p:cNvPr id="3" name="Content Placeholder 2"/>
+          <p:cNvPr id="3" name="Content Placeholder 2">
+            <a:extLst>
+              <a:ext uri="{FF2B5EF4-FFF2-40B4-BE49-F238E27FC236}">
+                <a16:creationId xmlns:a16="http://schemas.microsoft.com/office/drawing/2014/main" id="{66D2E186-840F-7DF3-1D34-B3CF3601E633}"/>
+              </a:ext>
+            </a:extLst>
+          </p:cNvPr>
           <p:cNvSpPr>
             <a:spLocks noGrp="1"/>
           </p:cNvSpPr>
           <p:nvPr>
-            <p:ph sz="half" idx="1"/>
+            <p:ph idx="1"/>
           </p:nvPr>
         </p:nvSpPr>
         <p:spPr>
@@ -12116,53 +12367,54 @@
             <a:pPr lvl="1"/>
             <a:r>
               <a:rPr lang="en-US" sz="2000" dirty="0"/>
-              <a:t>By automating repetitive tasks and reducing manual coding, the utility improves developer productivity and allows them to focus on the core logic and functionality of the application.</a:t>
+              <a:t>By automating repetitive tasks and reducing manual coding, the utility improves developer productivity and allows them to focus on the core logic and functionality of the application.</a:t>
             </a:r>
           </a:p>
           <a:p>
-            <a:pPr marL="0" indent="0">
-              <a:buNone/>
-            </a:pPr>
             <a:r>
               <a:rPr lang="en-US" sz="2200" dirty="0"/>
-              <a:t>The code generation utility empowers developers to quickly scaffold Spring Boot components, accelerating development and enhancing code quality in Spring Boot applications.</a:t>
+              <a:t>Customizable</a:t>
             </a:r>
-            <a:br>
+          </a:p>
+          <a:p>
+            <a:pPr lvl="1"/>
+            <a:r>
+              <a:rPr lang="en-US" sz="2000" dirty="0"/>
+              <a:t>This utility is fully customizable. This can even be useful for existing APIs or new API with limited requirements.</a:t>
+            </a:r>
+          </a:p>
+          <a:p>
+            <a:r>
               <a:rPr lang="en-US" sz="2200" dirty="0"/>
-            </a:br>
-            <a:endParaRPr lang="en-US" sz="2200"/>
-          </a:p>
-          <a:p>
-            <a:endParaRPr lang="en-US" sz="2200"/>
-          </a:p>
-          <a:p>
-            <a:endParaRPr lang="en-US" sz="2200"/>
-          </a:p>
-          <a:p>
-            <a:endParaRPr lang="en-US" sz="2200"/>
-          </a:p>
-          <a:p>
-            <a:endParaRPr lang="en-US" sz="2200"/>
+              <a:t>Easy to Use</a:t>
+            </a:r>
+          </a:p>
+          <a:p>
+            <a:pPr lvl="1"/>
+            <a:r>
+              <a:rPr lang="en-US" sz="2000" dirty="0"/>
+              <a:t>This utility is very easy to use as you just need to update the UI with what you need.</a:t>
+            </a:r>
           </a:p>
         </p:txBody>
       </p:sp>
     </p:spTree>
     <p:extLst>
       <p:ext uri="{BB962C8B-B14F-4D97-AF65-F5344CB8AC3E}">
-        <p14:creationId xmlns:p14="http://schemas.microsoft.com/office/powerpoint/2010/main" val="1055156841"/>
+        <p14:creationId xmlns:p14="http://schemas.microsoft.com/office/powerpoint/2010/main" val="735683510"/>
       </p:ext>
     </p:extLst>
   </p:cSld>
   <p:clrMapOvr>
     <a:masterClrMapping/>
   </p:clrMapOvr>
-  <mc:AlternateContent xmlns:mc="http://schemas.openxmlformats.org/markup-compatibility/2006" xmlns:p14="http://schemas.microsoft.com/office/powerpoint/2010/main">
-    <mc:Choice Requires="p14">
+  <mc:AlternateContent xmlns:mc="http://schemas.openxmlformats.org/markup-compatibility/2006">
+    <mc:Choice xmlns:p14="http://schemas.microsoft.com/office/powerpoint/2010/main" Requires="p14">
       <p:transition spd="med" p14:dur="700">
         <p:fade/>
       </p:transition>
     </mc:Choice>
-    <mc:Fallback xmlns="">
+    <mc:Fallback>
       <p:transition spd="med">
         <p:fade/>
       </p:transition>
@@ -12258,7 +12510,13 @@
       </p:sp>
       <p:sp>
         <p:nvSpPr>
-          <p:cNvPr id="2" name="Title 1"/>
+          <p:cNvPr id="2" name="Title 1">
+            <a:extLst>
+              <a:ext uri="{FF2B5EF4-FFF2-40B4-BE49-F238E27FC236}">
+                <a16:creationId xmlns:a16="http://schemas.microsoft.com/office/drawing/2014/main" id="{63C3E0F1-B9D7-5D21-78E4-5E4EF1522A67}"/>
+              </a:ext>
+            </a:extLst>
+          </p:cNvPr>
           <p:cNvSpPr>
             <a:spLocks noGrp="1"/>
           </p:cNvSpPr>
@@ -12273,22 +12531,22 @@
           </a:xfrm>
         </p:spPr>
         <p:txBody>
-          <a:bodyPr vert="horz" lIns="91440" tIns="45720" rIns="91440" bIns="45720" rtlCol="0" anchor="ctr">
+          <a:bodyPr>
             <a:normAutofit/>
           </a:bodyPr>
           <a:lstStyle/>
           <a:p>
             <a:r>
-              <a:rPr lang="en-US" sz="5400" kern="1200" dirty="0">
-                <a:solidFill>
-                  <a:schemeClr val="tx1"/>
-                </a:solidFill>
-                <a:latin typeface="+mj-lt"/>
-                <a:ea typeface="+mj-ea"/>
-                <a:cs typeface="+mj-cs"/>
+              <a:rPr lang="en-US" sz="5400" dirty="0">
+                <a:ea typeface="+mj-lt"/>
+                <a:cs typeface="+mj-lt"/>
               </a:rPr>
               <a:t>Limitations</a:t>
             </a:r>
+            <a:endParaRPr lang="en-US" dirty="0">
+              <a:ea typeface="+mj-lt"/>
+              <a:cs typeface="+mj-lt"/>
+            </a:endParaRPr>
           </a:p>
         </p:txBody>
       </p:sp>
@@ -12932,12 +13190,18 @@
       </p:sp>
       <p:sp>
         <p:nvSpPr>
-          <p:cNvPr id="3" name="Content Placeholder 2"/>
+          <p:cNvPr id="3" name="Content Placeholder 2">
+            <a:extLst>
+              <a:ext uri="{FF2B5EF4-FFF2-40B4-BE49-F238E27FC236}">
+                <a16:creationId xmlns:a16="http://schemas.microsoft.com/office/drawing/2014/main" id="{66D2E186-840F-7DF3-1D34-B3CF3601E633}"/>
+              </a:ext>
+            </a:extLst>
+          </p:cNvPr>
           <p:cNvSpPr>
             <a:spLocks noGrp="1"/>
           </p:cNvSpPr>
           <p:nvPr>
-            <p:ph sz="half" idx="1"/>
+            <p:ph idx="1"/>
           </p:nvPr>
         </p:nvSpPr>
         <p:spPr>
@@ -12954,41 +13218,7 @@
           <a:p>
             <a:r>
               <a:rPr lang="en-US" sz="2200" dirty="0"/>
-              <a:t>This utility is limited to accept only 1 entity for now.</a:t>
-            </a:r>
-          </a:p>
-          <a:p>
-            <a:r>
-              <a:rPr lang="en-US" sz="2200" dirty="0"/>
-              <a:t>Limited validations as of now. </a:t>
-            </a:r>
-          </a:p>
-          <a:p>
-            <a:r>
-              <a:rPr lang="en-US" sz="2200" dirty="0"/>
-              <a:t>Dependence on </a:t>
-            </a:r>
-            <a:r>
-              <a:rPr lang="en-US" sz="2200" dirty="0" err="1"/>
-              <a:t>JSon</a:t>
-            </a:r>
-            <a:r>
-              <a:rPr lang="en-US" sz="2200" dirty="0"/>
-              <a:t> input structure</a:t>
-            </a:r>
-          </a:p>
-          <a:p>
-            <a:r>
-              <a:rPr lang="en-US" sz="2200" dirty="0"/>
-              <a:t>Assumption – this will be used with </a:t>
-            </a:r>
-            <a:r>
-              <a:rPr lang="en-US" sz="2200" dirty="0" err="1"/>
-              <a:t>SpringBoot</a:t>
-            </a:r>
-            <a:r>
-              <a:rPr lang="en-US" sz="2200" dirty="0"/>
-              <a:t> project only.</a:t>
+              <a:t>Limited validations as of now. </a:t>
             </a:r>
           </a:p>
           <a:p>
@@ -12998,45 +13228,37 @@
             </a:r>
           </a:p>
           <a:p>
-            <a:pPr marL="0" indent="0">
-              <a:buNone/>
-            </a:pPr>
-            <a:br>
+            <a:r>
               <a:rPr lang="en-US" sz="2200" dirty="0"/>
-            </a:br>
-            <a:endParaRPr lang="en-US" sz="2200"/>
-          </a:p>
-          <a:p>
-            <a:endParaRPr lang="en-US" sz="2200"/>
-          </a:p>
-          <a:p>
-            <a:endParaRPr lang="en-US" sz="2200"/>
-          </a:p>
-          <a:p>
-            <a:endParaRPr lang="en-US" sz="2200"/>
-          </a:p>
-          <a:p>
-            <a:endParaRPr lang="en-US" sz="2200"/>
+              <a:t>UI available – Version 1</a:t>
+            </a:r>
+          </a:p>
+          <a:p>
+            <a:r>
+              <a:rPr lang="en-US" sz="2200" dirty="0"/>
+              <a:t>Assumption – this will be used with Spring Boot projects only.</a:t>
+            </a:r>
+            <a:endParaRPr lang="en-US" dirty="0"/>
           </a:p>
         </p:txBody>
       </p:sp>
     </p:spTree>
     <p:extLst>
       <p:ext uri="{BB962C8B-B14F-4D97-AF65-F5344CB8AC3E}">
-        <p14:creationId xmlns:p14="http://schemas.microsoft.com/office/powerpoint/2010/main" val="1858004197"/>
+        <p14:creationId xmlns:p14="http://schemas.microsoft.com/office/powerpoint/2010/main" val="2606955747"/>
       </p:ext>
     </p:extLst>
   </p:cSld>
   <p:clrMapOvr>
     <a:masterClrMapping/>
   </p:clrMapOvr>
-  <mc:AlternateContent xmlns:mc="http://schemas.openxmlformats.org/markup-compatibility/2006" xmlns:p14="http://schemas.microsoft.com/office/powerpoint/2010/main">
-    <mc:Choice Requires="p14">
+  <mc:AlternateContent xmlns:mc="http://schemas.openxmlformats.org/markup-compatibility/2006">
+    <mc:Choice xmlns:p14="http://schemas.microsoft.com/office/powerpoint/2010/main" Requires="p14">
       <p:transition spd="med" p14:dur="700">
         <p:fade/>
       </p:transition>
     </mc:Choice>
-    <mc:Fallback xmlns="">
+    <mc:Fallback>
       <p:transition spd="med">
         <p:fade/>
       </p:transition>
@@ -13072,7 +13294,7 @@
       </p:grpSpPr>
       <p:sp useBgFill="1">
         <p:nvSpPr>
-          <p:cNvPr id="10" name="Rectangle 9">
+          <p:cNvPr id="8" name="Rectangle 7">
             <a:extLst>
               <a:ext uri="{FF2B5EF4-FFF2-40B4-BE49-F238E27FC236}">
                 <a16:creationId xmlns:a16="http://schemas.microsoft.com/office/drawing/2014/main" id="{100EDD19-6802-4EC3-95CE-CFFAB042CFD6}"/>
@@ -13132,7 +13354,13 @@
       </p:sp>
       <p:sp>
         <p:nvSpPr>
-          <p:cNvPr id="2" name="Title 1"/>
+          <p:cNvPr id="2" name="Title 1">
+            <a:extLst>
+              <a:ext uri="{FF2B5EF4-FFF2-40B4-BE49-F238E27FC236}">
+                <a16:creationId xmlns:a16="http://schemas.microsoft.com/office/drawing/2014/main" id="{63C3E0F1-B9D7-5D21-78E4-5E4EF1522A67}"/>
+              </a:ext>
+            </a:extLst>
+          </p:cNvPr>
           <p:cNvSpPr>
             <a:spLocks noGrp="1"/>
           </p:cNvSpPr>
@@ -13147,28 +13375,28 @@
           </a:xfrm>
         </p:spPr>
         <p:txBody>
-          <a:bodyPr vert="horz" lIns="91440" tIns="45720" rIns="91440" bIns="45720" rtlCol="0" anchor="ctr">
+          <a:bodyPr>
             <a:normAutofit/>
           </a:bodyPr>
           <a:lstStyle/>
           <a:p>
             <a:r>
-              <a:rPr lang="en-US" sz="5400" kern="1200">
-                <a:solidFill>
-                  <a:schemeClr val="tx1"/>
-                </a:solidFill>
-                <a:latin typeface="+mj-lt"/>
-                <a:ea typeface="+mj-ea"/>
-                <a:cs typeface="+mj-cs"/>
+              <a:rPr lang="en-US" sz="5400" dirty="0">
+                <a:ea typeface="+mj-lt"/>
+                <a:cs typeface="+mj-lt"/>
               </a:rPr>
               <a:t>Future Enhancements</a:t>
             </a:r>
+            <a:endParaRPr lang="en-US" dirty="0">
+              <a:ea typeface="+mj-lt"/>
+              <a:cs typeface="+mj-lt"/>
+            </a:endParaRPr>
           </a:p>
         </p:txBody>
       </p:sp>
       <p:sp>
         <p:nvSpPr>
-          <p:cNvPr id="12" name="sketch line">
+          <p:cNvPr id="10" name="sketch line">
             <a:extLst>
               <a:ext uri="{FF2B5EF4-FFF2-40B4-BE49-F238E27FC236}">
                 <a16:creationId xmlns:a16="http://schemas.microsoft.com/office/drawing/2014/main" id="{DB17E863-922E-4C26-BD64-E8FD41D28661}"/>
@@ -13806,12 +14034,18 @@
       </p:sp>
       <p:sp>
         <p:nvSpPr>
-          <p:cNvPr id="5" name="Content Placeholder 4"/>
+          <p:cNvPr id="3" name="Content Placeholder 2">
+            <a:extLst>
+              <a:ext uri="{FF2B5EF4-FFF2-40B4-BE49-F238E27FC236}">
+                <a16:creationId xmlns:a16="http://schemas.microsoft.com/office/drawing/2014/main" id="{66D2E186-840F-7DF3-1D34-B3CF3601E633}"/>
+              </a:ext>
+            </a:extLst>
+          </p:cNvPr>
           <p:cNvSpPr>
             <a:spLocks noGrp="1"/>
           </p:cNvSpPr>
           <p:nvPr>
-            <p:ph sz="half" idx="1"/>
+            <p:ph idx="1"/>
           </p:nvPr>
         </p:nvSpPr>
         <p:spPr>
@@ -13821,65 +14055,63 @@
           </a:xfrm>
         </p:spPr>
         <p:txBody>
-          <a:bodyPr vert="horz" lIns="91440" tIns="45720" rIns="91440" bIns="45720" rtlCol="0">
+          <a:bodyPr vert="horz" lIns="91440" tIns="45720" rIns="91440" bIns="45720" rtlCol="0" anchor="t">
             <a:normAutofit/>
           </a:bodyPr>
           <a:lstStyle/>
           <a:p>
             <a:r>
-              <a:rPr lang="en-US" sz="2200"/>
-              <a:t>To be extended to handle multiple entities in the request.</a:t>
-            </a:r>
-          </a:p>
-          <a:p>
-            <a:r>
-              <a:rPr lang="en-US" sz="2200"/>
-              <a:t>GUI</a:t>
-            </a:r>
-          </a:p>
-          <a:p>
-            <a:r>
-              <a:rPr lang="en-US" sz="2200"/>
+              <a:rPr lang="en-US" sz="2200" dirty="0"/>
               <a:t>Enhanced validations and error handling</a:t>
             </a:r>
           </a:p>
           <a:p>
             <a:r>
-              <a:rPr lang="en-US" sz="2200"/>
+              <a:rPr lang="en-US" sz="2200" dirty="0"/>
               <a:t>Support for other frameworks</a:t>
             </a:r>
           </a:p>
           <a:p>
             <a:r>
-              <a:rPr lang="en-US" sz="2200"/>
+              <a:rPr lang="en-US" sz="2200" dirty="0"/>
               <a:t>To make this as extension or plugin – ease of usage</a:t>
             </a:r>
           </a:p>
           <a:p>
-            <a:endParaRPr lang="en-US" sz="2200"/>
-          </a:p>
-          <a:p>
-            <a:endParaRPr lang="en-US" sz="2200"/>
+            <a:r>
+              <a:rPr lang="en-US" sz="2200" dirty="0"/>
+              <a:t>Integration with AI tools like ChatGPT/Copilot</a:t>
+            </a:r>
+          </a:p>
+          <a:p>
+            <a:r>
+              <a:rPr lang="en-US" sz="2200" dirty="0"/>
+              <a:t>This utility can be enhanced to generate </a:t>
+            </a:r>
+            <a:r>
+              <a:rPr lang="en-US" sz="2200" dirty="0" err="1"/>
+              <a:t>MicroServices</a:t>
+            </a:r>
           </a:p>
         </p:txBody>
       </p:sp>
     </p:spTree>
     <p:extLst>
       <p:ext uri="{BB962C8B-B14F-4D97-AF65-F5344CB8AC3E}">
-        <p14:creationId xmlns:p14="http://schemas.microsoft.com/office/powerpoint/2010/main" val="2426022026"/>
+        <p14:creationId xmlns:p14="http://schemas.microsoft.com/office/powerpoint/2010/main" val="772568732"/>
       </p:ext>
     </p:extLst>
   </p:cSld>
   <p:clrMapOvr>
     <a:masterClrMapping/>
   </p:clrMapOvr>
-  <mc:AlternateContent xmlns:mc="http://schemas.openxmlformats.org/markup-compatibility/2006" xmlns:p14="http://schemas.microsoft.com/office/powerpoint/2010/main">
-    <mc:Choice Requires="p14">
+  <mc:AlternateContent xmlns:mc="http://schemas.openxmlformats.org/markup-compatibility/2006">
+    <mc:Choice xmlns:p14="http://schemas.microsoft.com/office/powerpoint/2010/main" Requires="p14">
       <p:transition spd="med" p14:dur="700">
         <p:fade/>
       </p:transition>
     </mc:Choice>
-    <mc:Fallback xmlns="">
+    <mc:Fallback>
       <p:transition spd="med">
         <p:fade/>
       </p:transition>
